--- a/课程PPT/3.2  黑盒测试技术 -等价类.pptx
+++ b/课程PPT/3.2  黑盒测试技术 -等价类.pptx
@@ -1359,10 +1359,10 @@
     <dgm:cxn modelId="{0CE9C168-AF0E-4F69-B7CF-9C09B7E29D21}" srcId="{BAB678E1-24A3-4C5A-B467-934EF9E96EC4}" destId="{26194913-45E8-40AB-917B-0CA6FE78B5C8}" srcOrd="1" destOrd="0" parTransId="{79A1E6A6-94F3-42FD-913D-F6844FBAA90A}" sibTransId="{1694C720-EDE8-46EA-B49F-0FB01FAC250E}"/>
     <dgm:cxn modelId="{928E6A1C-0E16-4756-83E1-659566F8E6CA}" type="presOf" srcId="{1694C720-EDE8-46EA-B49F-0FB01FAC250E}" destId="{7314A908-0E3E-439D-A97A-0F3A1976901A}" srcOrd="0" destOrd="0" presId="urn:microsoft.com/office/officeart/2005/8/layout/equation1"/>
     <dgm:cxn modelId="{B62A5260-950B-4622-B872-3F5072A2A3AE}" type="presOf" srcId="{26194913-45E8-40AB-917B-0CA6FE78B5C8}" destId="{711E1C4C-D0A0-4ED2-B1B3-479D102A6289}" srcOrd="0" destOrd="0" presId="urn:microsoft.com/office/officeart/2005/8/layout/equation1"/>
-    <dgm:cxn modelId="{B9D796C7-0E25-490D-84F9-C3BD78A8D5EA}" type="presOf" srcId="{0D9D1539-8DC3-4C57-B45D-2B38755343AA}" destId="{1F1A7A4D-DBE0-4016-B9BC-A37D4C8B97E8}" srcOrd="0" destOrd="0" presId="urn:microsoft.com/office/officeart/2005/8/layout/equation1"/>
+    <dgm:cxn modelId="{F182ACB7-8DDF-4A8A-98C6-CB4F4BD19B36}" type="presOf" srcId="{235DC6CA-0180-42F6-8FCE-400EC7A00D58}" destId="{095D660B-3CCC-41DD-8447-AC9A246958B9}" srcOrd="0" destOrd="0" presId="urn:microsoft.com/office/officeart/2005/8/layout/equation1"/>
     <dgm:cxn modelId="{315398C5-D489-42D1-B923-9B8347447593}" srcId="{BAB678E1-24A3-4C5A-B467-934EF9E96EC4}" destId="{0D9D1539-8DC3-4C57-B45D-2B38755343AA}" srcOrd="0" destOrd="0" parTransId="{15BF19BE-B576-4998-8CF6-6A54FD230CC0}" sibTransId="{235DC6CA-0180-42F6-8FCE-400EC7A00D58}"/>
     <dgm:cxn modelId="{12300126-1C2A-46A3-A1CE-C9ADAA49E5C9}" type="presOf" srcId="{BAB678E1-24A3-4C5A-B467-934EF9E96EC4}" destId="{F35564D5-E7DE-4B10-95F0-1A935FB239D2}" srcOrd="0" destOrd="0" presId="urn:microsoft.com/office/officeart/2005/8/layout/equation1"/>
-    <dgm:cxn modelId="{F182ACB7-8DDF-4A8A-98C6-CB4F4BD19B36}" type="presOf" srcId="{235DC6CA-0180-42F6-8FCE-400EC7A00D58}" destId="{095D660B-3CCC-41DD-8447-AC9A246958B9}" srcOrd="0" destOrd="0" presId="urn:microsoft.com/office/officeart/2005/8/layout/equation1"/>
+    <dgm:cxn modelId="{B9D796C7-0E25-490D-84F9-C3BD78A8D5EA}" type="presOf" srcId="{0D9D1539-8DC3-4C57-B45D-2B38755343AA}" destId="{1F1A7A4D-DBE0-4016-B9BC-A37D4C8B97E8}" srcOrd="0" destOrd="0" presId="urn:microsoft.com/office/officeart/2005/8/layout/equation1"/>
     <dgm:cxn modelId="{79ECEE25-915F-41B8-B1C6-32256565CDCF}" type="presParOf" srcId="{F35564D5-E7DE-4B10-95F0-1A935FB239D2}" destId="{1F1A7A4D-DBE0-4016-B9BC-A37D4C8B97E8}" srcOrd="0" destOrd="0" presId="urn:microsoft.com/office/officeart/2005/8/layout/equation1"/>
     <dgm:cxn modelId="{4D9388FD-8748-4610-B1C5-0DE6B94D52D7}" type="presParOf" srcId="{F35564D5-E7DE-4B10-95F0-1A935FB239D2}" destId="{561AF8A9-9758-428B-95AE-24260D2E65FF}" srcOrd="1" destOrd="0" presId="urn:microsoft.com/office/officeart/2005/8/layout/equation1"/>
     <dgm:cxn modelId="{FB0D1BE4-F313-4760-8C4E-815C8EBB6221}" type="presParOf" srcId="{F35564D5-E7DE-4B10-95F0-1A935FB239D2}" destId="{095D660B-3CCC-41DD-8447-AC9A246958B9}" srcOrd="2" destOrd="0" presId="urn:microsoft.com/office/officeart/2005/8/layout/equation1"/>
@@ -29955,11 +29955,32 @@
               <a:t>3</a:t>
             </a:r>
             <a:r>
+              <a:rPr lang="zh-CN" altLang="en-US" sz="2800" b="1" dirty="0" smtClean="0">
+                <a:latin typeface="+mn-ea"/>
+                <a:ea typeface="+mn-ea"/>
+              </a:rPr>
+              <a:t>个</a:t>
+            </a:r>
+            <a:r>
               <a:rPr lang="zh-CN" altLang="en-US" sz="2800" b="1" dirty="0">
                 <a:latin typeface="+mn-ea"/>
                 <a:ea typeface="+mn-ea"/>
               </a:rPr>
-              <a:t>个约束：分而不</a:t>
+              <a:t>规则</a:t>
+            </a:r>
+            <a:r>
+              <a:rPr lang="zh-CN" altLang="en-US" sz="2800" b="1" dirty="0" smtClean="0">
+                <a:latin typeface="+mn-ea"/>
+                <a:ea typeface="+mn-ea"/>
+              </a:rPr>
+              <a:t>：</a:t>
+            </a:r>
+            <a:r>
+              <a:rPr lang="zh-CN" altLang="en-US" sz="2800" b="1" dirty="0">
+                <a:latin typeface="+mn-ea"/>
+                <a:ea typeface="+mn-ea"/>
+              </a:rPr>
+              <a:t>分而不</a:t>
             </a:r>
             <a:r>
               <a:rPr lang="zh-CN" altLang="en-US" sz="2800" b="1" dirty="0" smtClean="0">
